--- a/고급웹프프로젝트_201711224_김서진.pptx
+++ b/고급웹프프로젝트_201711224_김서진.pptx
@@ -1,6 +1,6 @@
 
 <file path=ppt/presentation.xml><?xml version="1.0" encoding="utf-8"?>
-<p:presentation xmlns:a="http://schemas.openxmlformats.org/drawingml/2006/main" xmlns:r="http://schemas.openxmlformats.org/officeDocument/2006/relationships" xmlns:p="http://schemas.openxmlformats.org/presentationml/2006/main" saveSubsetFonts="1">
+<p:presentation xmlns:a="http://schemas.openxmlformats.org/drawingml/2006/main" xmlns:r="http://schemas.openxmlformats.org/officeDocument/2006/relationships" xmlns:p="http://schemas.openxmlformats.org/presentationml/2006/main" embedTrueTypeFonts="1" saveSubsetFonts="1">
   <p:sldMasterIdLst>
     <p:sldMasterId id="2147483648" r:id="rId1"/>
   </p:sldMasterIdLst>
@@ -26,6 +26,17 @@
   </p:sldIdLst>
   <p:sldSz cx="12192000" cy="6858000"/>
   <p:notesSz cx="6858000" cy="9144000"/>
+  <p:embeddedFontLst>
+    <p:embeddedFont>
+      <p:font typeface="210 맨발의청춘 L" panose="02020603020101020101" pitchFamily="18" charset="-127"/>
+      <p:regular r:id="rId20"/>
+    </p:embeddedFont>
+    <p:embeddedFont>
+      <p:font typeface="맑은 고딕" panose="020B0503020000020004" pitchFamily="50" charset="-127"/>
+      <p:regular r:id="rId21"/>
+      <p:bold r:id="rId22"/>
+    </p:embeddedFont>
+  </p:embeddedFontLst>
   <p:defaultTextStyle>
     <a:defPPr>
       <a:defRPr lang="ko-KR"/>
